--- a/powerpoints/RBasicsSSRC.pptx
+++ b/powerpoints/RBasicsSSRC.pptx
@@ -5,24 +5,23 @@
     <p:sldMasterId id="2147483675" r:id="rId1"/>
   </p:sldMasterIdLst>
   <p:notesMasterIdLst>
-    <p:notesMasterId r:id="rId17"/>
+    <p:notesMasterId r:id="rId16"/>
   </p:notesMasterIdLst>
   <p:sldIdLst>
     <p:sldId id="268" r:id="rId2"/>
     <p:sldId id="257" r:id="rId3"/>
-    <p:sldId id="265" r:id="rId4"/>
-    <p:sldId id="266" r:id="rId5"/>
-    <p:sldId id="269" r:id="rId6"/>
-    <p:sldId id="264" r:id="rId7"/>
+    <p:sldId id="273" r:id="rId4"/>
+    <p:sldId id="265" r:id="rId5"/>
+    <p:sldId id="266" r:id="rId6"/>
+    <p:sldId id="269" r:id="rId7"/>
     <p:sldId id="259" r:id="rId8"/>
     <p:sldId id="260" r:id="rId9"/>
     <p:sldId id="261" r:id="rId10"/>
-    <p:sldId id="270" r:id="rId11"/>
-    <p:sldId id="262" r:id="rId12"/>
-    <p:sldId id="267" r:id="rId13"/>
-    <p:sldId id="271" r:id="rId14"/>
-    <p:sldId id="272" r:id="rId15"/>
-    <p:sldId id="263" r:id="rId16"/>
+    <p:sldId id="262" r:id="rId11"/>
+    <p:sldId id="267" r:id="rId12"/>
+    <p:sldId id="271" r:id="rId13"/>
+    <p:sldId id="272" r:id="rId14"/>
+    <p:sldId id="263" r:id="rId15"/>
   </p:sldIdLst>
   <p:sldSz cx="9144000" cy="6858000" type="screen4x3"/>
   <p:notesSz cx="6858000" cy="9144000"/>
@@ -975,7 +974,7 @@
           <a:p>
             <a:fld id="{59E2836E-75A4-994B-AEEF-8E026C606B1C}" type="slidenum">
               <a:rPr lang="en-US" smtClean="0"/>
-              <a:t>14</a:t>
+              <a:t>13</a:t>
             </a:fld>
             <a:endParaRPr lang="en-US"/>
           </a:p>
@@ -1055,7 +1054,7 @@
         </p:nvSpPr>
         <p:spPr bwMode="auto">
           <a:xfrm>
-            <a:off x="2106617" y="2551113"/>
+            <a:off x="2106620" y="2551113"/>
             <a:ext cx="4903787" cy="0"/>
           </a:xfrm>
           <a:prstGeom prst="line">
@@ -1137,7 +1136,7 @@
         </p:nvSpPr>
         <p:spPr>
           <a:xfrm>
-            <a:off x="457204" y="1763713"/>
+            <a:off x="457207" y="1763713"/>
             <a:ext cx="8226425" cy="508000"/>
           </a:xfrm>
         </p:spPr>
@@ -1175,7 +1174,7 @@
         </p:nvSpPr>
         <p:spPr>
           <a:xfrm>
-            <a:off x="455617" y="1014415"/>
+            <a:off x="455620" y="1014417"/>
             <a:ext cx="8226425" cy="776287"/>
           </a:xfrm>
         </p:spPr>
@@ -1764,8 +1763,8 @@
         </p:nvSpPr>
         <p:spPr>
           <a:xfrm>
-            <a:off x="722313" y="4406901"/>
-            <a:ext cx="7772400" cy="1362075"/>
+            <a:off x="722313" y="4406903"/>
+            <a:ext cx="7772400" cy="1362076"/>
           </a:xfrm>
         </p:spPr>
         <p:txBody>
@@ -2246,7 +2245,7 @@
         </p:nvSpPr>
         <p:spPr>
           <a:xfrm>
-            <a:off x="457200" y="381002"/>
+            <a:off x="457200" y="381003"/>
             <a:ext cx="8229600" cy="1036639"/>
           </a:xfrm>
         </p:spPr>
@@ -2428,7 +2427,7 @@
         </p:nvSpPr>
         <p:spPr>
           <a:xfrm>
-            <a:off x="4645029" y="1535113"/>
+            <a:off x="4645032" y="1535113"/>
             <a:ext cx="4041775" cy="639763"/>
           </a:xfrm>
         </p:spPr>
@@ -2493,7 +2492,7 @@
         </p:nvSpPr>
         <p:spPr>
           <a:xfrm>
-            <a:off x="4645029" y="2174875"/>
+            <a:off x="4645032" y="2174875"/>
             <a:ext cx="4041775" cy="3951288"/>
           </a:xfrm>
         </p:spPr>
@@ -2889,7 +2888,7 @@
         </p:nvSpPr>
         <p:spPr>
           <a:xfrm>
-            <a:off x="457204" y="273049"/>
+            <a:off x="457207" y="273049"/>
             <a:ext cx="3008313" cy="1162051"/>
           </a:xfrm>
         </p:spPr>
@@ -3006,7 +3005,7 @@
         </p:nvSpPr>
         <p:spPr>
           <a:xfrm>
-            <a:off x="457204" y="1435103"/>
+            <a:off x="457207" y="1435104"/>
             <a:ext cx="3008313" cy="4691063"/>
           </a:xfrm>
         </p:spPr>
@@ -3167,8 +3166,8 @@
         </p:nvSpPr>
         <p:spPr>
           <a:xfrm>
-            <a:off x="1792288" y="4800601"/>
-            <a:ext cx="5486400" cy="566739"/>
+            <a:off x="1792288" y="4800602"/>
+            <a:ext cx="5486400" cy="566740"/>
           </a:xfrm>
         </p:spPr>
         <p:txBody>
@@ -3264,7 +3263,7 @@
         </p:nvSpPr>
         <p:spPr>
           <a:xfrm>
-            <a:off x="1792288" y="5367339"/>
+            <a:off x="1792288" y="5367341"/>
             <a:ext cx="5486400" cy="804863"/>
           </a:xfrm>
         </p:spPr>
@@ -3443,7 +3442,7 @@
         </p:blipFill>
         <p:spPr>
           <a:xfrm>
-            <a:off x="7210868" y="5969000"/>
+            <a:off x="7210871" y="5969000"/>
             <a:ext cx="485335" cy="609600"/>
           </a:xfrm>
           <a:prstGeom prst="rect">
@@ -3463,7 +3462,7 @@
         </p:nvSpPr>
         <p:spPr bwMode="auto">
           <a:xfrm>
-            <a:off x="3" y="0"/>
+            <a:off x="6" y="1"/>
             <a:ext cx="9143999" cy="787400"/>
           </a:xfrm>
           <a:prstGeom prst="rect">
@@ -3525,7 +3524,7 @@
         </p:nvSpPr>
         <p:spPr bwMode="auto">
           <a:xfrm>
-            <a:off x="228600" y="990600"/>
+            <a:off x="228600" y="990601"/>
             <a:ext cx="8915400" cy="4978400"/>
           </a:xfrm>
           <a:prstGeom prst="rect">
@@ -3770,7 +3769,7 @@
         </p:nvSpPr>
         <p:spPr>
           <a:xfrm>
-            <a:off x="1676400" y="6357698"/>
+            <a:off x="1676400" y="6357699"/>
             <a:ext cx="7467600" cy="338554"/>
           </a:xfrm>
           <a:prstGeom prst="rect">
@@ -3905,8 +3904,8 @@
         </p:blipFill>
         <p:spPr>
           <a:xfrm>
-            <a:off x="1765300" y="6028269"/>
-            <a:ext cx="444500" cy="431031"/>
+            <a:off x="1765300" y="6028271"/>
+            <a:ext cx="444500" cy="431032"/>
           </a:xfrm>
           <a:prstGeom prst="rect">
             <a:avLst/>
@@ -3935,7 +3934,7 @@
         </p:blipFill>
         <p:spPr>
           <a:xfrm>
-            <a:off x="2362200" y="6015954"/>
+            <a:off x="2362200" y="6015956"/>
             <a:ext cx="457200" cy="443345"/>
           </a:xfrm>
           <a:prstGeom prst="rect">
@@ -3965,8 +3964,8 @@
         </p:blipFill>
         <p:spPr>
           <a:xfrm>
-            <a:off x="2984500" y="6028269"/>
-            <a:ext cx="444500" cy="431031"/>
+            <a:off x="2984500" y="6028271"/>
+            <a:ext cx="444500" cy="431032"/>
           </a:xfrm>
           <a:prstGeom prst="rect">
             <a:avLst/>
@@ -3995,7 +3994,7 @@
         </p:blipFill>
         <p:spPr>
           <a:xfrm>
-            <a:off x="3581400" y="6015954"/>
+            <a:off x="3581400" y="6015956"/>
             <a:ext cx="457200" cy="443345"/>
           </a:xfrm>
           <a:prstGeom prst="rect">
@@ -4025,7 +4024,7 @@
         </p:blipFill>
         <p:spPr>
           <a:xfrm>
-            <a:off x="4191000" y="6015954"/>
+            <a:off x="4191000" y="6015956"/>
             <a:ext cx="457200" cy="443345"/>
           </a:xfrm>
           <a:prstGeom prst="rect">
@@ -4055,8 +4054,8 @@
         </p:blipFill>
         <p:spPr>
           <a:xfrm>
-            <a:off x="4800603" y="6028269"/>
-            <a:ext cx="444501" cy="431031"/>
+            <a:off x="4800604" y="6028271"/>
+            <a:ext cx="444501" cy="431032"/>
           </a:xfrm>
           <a:prstGeom prst="rect">
             <a:avLst/>
@@ -4085,7 +4084,7 @@
         </p:blipFill>
         <p:spPr>
           <a:xfrm>
-            <a:off x="5410200" y="6015954"/>
+            <a:off x="5410200" y="6015956"/>
             <a:ext cx="457200" cy="443345"/>
           </a:xfrm>
           <a:prstGeom prst="rect">
@@ -4115,7 +4114,7 @@
         </p:blipFill>
         <p:spPr>
           <a:xfrm>
-            <a:off x="6019800" y="6015954"/>
+            <a:off x="6019800" y="6015956"/>
             <a:ext cx="457200" cy="443345"/>
           </a:xfrm>
           <a:prstGeom prst="rect">
@@ -4145,7 +4144,7 @@
         </p:blipFill>
         <p:spPr>
           <a:xfrm>
-            <a:off x="6638928" y="6025188"/>
+            <a:off x="6638931" y="6025188"/>
             <a:ext cx="447675" cy="434109"/>
           </a:xfrm>
           <a:prstGeom prst="rect">
@@ -4607,7 +4606,7 @@
         </p:blipFill>
         <p:spPr>
           <a:xfrm>
-            <a:off x="8077200" y="4749800"/>
+            <a:off x="8077200" y="4749802"/>
             <a:ext cx="749300" cy="941149"/>
           </a:xfrm>
           <a:prstGeom prst="rect">
@@ -4665,7 +4664,7 @@
         </p:nvSpPr>
         <p:spPr bwMode="auto">
           <a:xfrm>
-            <a:off x="0" y="3530600"/>
+            <a:off x="0" y="3530601"/>
             <a:ext cx="9144000" cy="812800"/>
           </a:xfrm>
           <a:prstGeom prst="rect">
@@ -4873,7 +4872,7 @@
         </p:nvSpPr>
         <p:spPr bwMode="auto">
           <a:xfrm>
-            <a:off x="14" y="5867400"/>
+            <a:off x="17" y="5867400"/>
             <a:ext cx="4724387" cy="914400"/>
           </a:xfrm>
           <a:prstGeom prst="rect">
@@ -4944,7 +4943,7 @@
         </p:nvSpPr>
         <p:spPr bwMode="auto">
           <a:xfrm>
-            <a:off x="5943614" y="5867400"/>
+            <a:off x="5943617" y="5867400"/>
             <a:ext cx="3200387" cy="914400"/>
           </a:xfrm>
           <a:prstGeom prst="rect">
@@ -5022,7 +5021,7 @@
         </p:blipFill>
         <p:spPr>
           <a:xfrm>
-            <a:off x="76200" y="4823691"/>
+            <a:off x="76200" y="4823692"/>
             <a:ext cx="762000" cy="738909"/>
           </a:xfrm>
           <a:prstGeom prst="rect">
@@ -5163,7 +5162,7 @@
         </p:blipFill>
         <p:spPr>
           <a:xfrm>
-            <a:off x="914400" y="4792133"/>
+            <a:off x="914400" y="4792135"/>
             <a:ext cx="794544" cy="770467"/>
           </a:xfrm>
           <a:prstGeom prst="rect">
@@ -5193,7 +5192,7 @@
         </p:blipFill>
         <p:spPr>
           <a:xfrm>
-            <a:off x="1828800" y="4823691"/>
+            <a:off x="1828800" y="4823692"/>
             <a:ext cx="762000" cy="738909"/>
           </a:xfrm>
           <a:prstGeom prst="rect">
@@ -5223,7 +5222,7 @@
         </p:blipFill>
         <p:spPr>
           <a:xfrm>
-            <a:off x="2667000" y="4851400"/>
+            <a:off x="2667000" y="4851401"/>
             <a:ext cx="794544" cy="770467"/>
           </a:xfrm>
           <a:prstGeom prst="rect">
@@ -5254,7 +5253,7 @@
         <p:spPr>
           <a:xfrm>
             <a:off x="3657600" y="4851401"/>
-            <a:ext cx="736600" cy="714279"/>
+            <a:ext cx="736600" cy="714280"/>
           </a:xfrm>
           <a:prstGeom prst="rect">
             <a:avLst/>
@@ -5283,7 +5282,7 @@
         </p:blipFill>
         <p:spPr>
           <a:xfrm>
-            <a:off x="4419600" y="4792133"/>
+            <a:off x="4419600" y="4792135"/>
             <a:ext cx="794544" cy="770467"/>
           </a:xfrm>
           <a:prstGeom prst="rect">
@@ -5313,7 +5312,7 @@
         </p:blipFill>
         <p:spPr>
           <a:xfrm>
-            <a:off x="5410200" y="4851401"/>
+            <a:off x="5410200" y="4851402"/>
             <a:ext cx="812800" cy="788169"/>
           </a:xfrm>
           <a:prstGeom prst="rect">
@@ -5343,7 +5342,7 @@
         </p:blipFill>
         <p:spPr>
           <a:xfrm>
-            <a:off x="6324600" y="4851400"/>
+            <a:off x="6324600" y="4851401"/>
             <a:ext cx="794544" cy="770467"/>
           </a:xfrm>
           <a:prstGeom prst="rect">
@@ -5374,7 +5373,7 @@
         <p:spPr>
           <a:xfrm>
             <a:off x="7239000" y="4851401"/>
-            <a:ext cx="736600" cy="714279"/>
+            <a:ext cx="736600" cy="714280"/>
           </a:xfrm>
           <a:prstGeom prst="rect">
             <a:avLst/>
@@ -5435,85 +5434,6 @@
           <a:p>
             <a:r>
               <a:rPr lang="en-US" dirty="0" smtClean="0"/>
-              <a:t>Twitter: “Easter” on 3/26/16</a:t>
-            </a:r>
-            <a:endParaRPr lang="en-US" dirty="0"/>
-          </a:p>
-        </p:txBody>
-      </p:sp>
-      <p:pic>
-        <p:nvPicPr>
-          <p:cNvPr id="4" name="Content Placeholder 3"/>
-          <p:cNvPicPr>
-            <a:picLocks noGrp="1" noChangeAspect="1"/>
-          </p:cNvPicPr>
-          <p:nvPr>
-            <p:ph idx="1"/>
-          </p:nvPr>
-        </p:nvPicPr>
-        <p:blipFill>
-          <a:blip r:embed="rId2"/>
-          <a:srcRect l="-20185" r="-20185"/>
-          <a:stretch>
-            <a:fillRect/>
-          </a:stretch>
-        </p:blipFill>
-        <p:spPr/>
-      </p:pic>
-    </p:spTree>
-    <p:extLst>
-      <p:ext uri="{BB962C8B-B14F-4D97-AF65-F5344CB8AC3E}">
-        <p14:creationId xmlns:p14="http://schemas.microsoft.com/office/powerpoint/2010/main" val="3607148885"/>
-      </p:ext>
-    </p:extLst>
-  </p:cSld>
-  <p:clrMapOvr>
-    <a:masterClrMapping/>
-  </p:clrMapOvr>
-  <p:timing>
-    <p:tnLst>
-      <p:par>
-        <p:cTn xmlns:p14="http://schemas.microsoft.com/office/powerpoint/2010/main" id="1" dur="indefinite" restart="never" nodeType="tmRoot"/>
-      </p:par>
-    </p:tnLst>
-  </p:timing>
-</p:sld>
-</file>
-
-<file path=ppt/slides/slide11.xml><?xml version="1.0" encoding="utf-8"?>
-<p:sld xmlns:a="http://schemas.openxmlformats.org/drawingml/2006/main" xmlns:r="http://schemas.openxmlformats.org/officeDocument/2006/relationships" xmlns:p="http://schemas.openxmlformats.org/presentationml/2006/main">
-  <p:cSld>
-    <p:spTree>
-      <p:nvGrpSpPr>
-        <p:cNvPr id="1" name=""/>
-        <p:cNvGrpSpPr/>
-        <p:nvPr/>
-      </p:nvGrpSpPr>
-      <p:grpSpPr>
-        <a:xfrm>
-          <a:off x="0" y="0"/>
-          <a:ext cx="0" cy="0"/>
-          <a:chOff x="0" y="0"/>
-          <a:chExt cx="0" cy="0"/>
-        </a:xfrm>
-      </p:grpSpPr>
-      <p:sp>
-        <p:nvSpPr>
-          <p:cNvPr id="2" name="Title 1"/>
-          <p:cNvSpPr>
-            <a:spLocks noGrp="1"/>
-          </p:cNvSpPr>
-          <p:nvPr>
-            <p:ph type="title"/>
-          </p:nvPr>
-        </p:nvSpPr>
-        <p:spPr/>
-        <p:txBody>
-          <a:bodyPr/>
-          <a:lstStyle/>
-          <a:p>
-            <a:r>
-              <a:rPr lang="en-US" dirty="0" smtClean="0"/>
               <a:t>Why use </a:t>
             </a:r>
             <a:r>
@@ -5581,8 +5501,8 @@
         </p:blipFill>
         <p:spPr>
           <a:xfrm>
-            <a:off x="0" y="1799764"/>
-            <a:ext cx="9144000" cy="3123075"/>
+            <a:off x="0" y="1799766"/>
+            <a:ext cx="9144000" cy="3123076"/>
           </a:xfrm>
           <a:prstGeom prst="rect">
             <a:avLst/>
@@ -5609,7 +5529,7 @@
 </p:sld>
 </file>
 
-<file path=ppt/slides/slide12.xml><?xml version="1.0" encoding="utf-8"?>
+<file path=ppt/slides/slide11.xml><?xml version="1.0" encoding="utf-8"?>
 <p:sld xmlns:a="http://schemas.openxmlformats.org/drawingml/2006/main" xmlns:r="http://schemas.openxmlformats.org/officeDocument/2006/relationships" xmlns:p="http://schemas.openxmlformats.org/presentationml/2006/main">
   <p:cSld>
     <p:spTree>
@@ -5694,7 +5614,7 @@
 </p:sld>
 </file>
 
-<file path=ppt/slides/slide13.xml><?xml version="1.0" encoding="utf-8"?>
+<file path=ppt/slides/slide12.xml><?xml version="1.0" encoding="utf-8"?>
 <p:sld xmlns:a="http://schemas.openxmlformats.org/drawingml/2006/main" xmlns:r="http://schemas.openxmlformats.org/officeDocument/2006/relationships" xmlns:p="http://schemas.openxmlformats.org/presentationml/2006/main">
   <p:cSld>
     <p:spTree>
@@ -5773,14 +5693,14 @@
       </p:sp>
       <p:pic>
         <p:nvPicPr>
-          <p:cNvPr id="4" name="Picture 3" descr="Screen Shot 2016-03-25 at 11.53.46 AM.png"/>
+          <p:cNvPr id="5" name="Picture 4" descr="Screen Shot 2016-04-29 at 1.15.55 PM.png"/>
           <p:cNvPicPr>
             <a:picLocks noChangeAspect="1"/>
           </p:cNvPicPr>
           <p:nvPr/>
         </p:nvPicPr>
         <p:blipFill>
-          <a:blip r:embed="rId3" cstate="print">
+          <a:blip r:embed="rId3">
             <a:extLst>
               <a:ext uri="{28A0092B-C50C-407E-A947-70E740481C1C}">
                 <a14:useLocalDpi xmlns:a14="http://schemas.microsoft.com/office/drawing/2010/main" val="0"/>
@@ -5793,8 +5713,8 @@
         </p:blipFill>
         <p:spPr>
           <a:xfrm>
-            <a:off x="419100" y="1616129"/>
-            <a:ext cx="8115300" cy="4133218"/>
+            <a:off x="952500" y="1436946"/>
+            <a:ext cx="7442200" cy="4340097"/>
           </a:xfrm>
           <a:prstGeom prst="rect">
             <a:avLst/>
@@ -5821,7 +5741,7 @@
 </p:sld>
 </file>
 
-<file path=ppt/slides/slide14.xml><?xml version="1.0" encoding="utf-8"?>
+<file path=ppt/slides/slide13.xml><?xml version="1.0" encoding="utf-8"?>
 <p:sld xmlns:a="http://schemas.openxmlformats.org/drawingml/2006/main" xmlns:r="http://schemas.openxmlformats.org/officeDocument/2006/relationships" xmlns:p="http://schemas.openxmlformats.org/presentationml/2006/main">
   <p:cSld>
     <p:spTree>
@@ -5944,7 +5864,7 @@
 </p:sld>
 </file>
 
-<file path=ppt/slides/slide15.xml><?xml version="1.0" encoding="utf-8"?>
+<file path=ppt/slides/slide14.xml><?xml version="1.0" encoding="utf-8"?>
 <p:sld xmlns:a="http://schemas.openxmlformats.org/drawingml/2006/main" xmlns:r="http://schemas.openxmlformats.org/officeDocument/2006/relationships" xmlns:p="http://schemas.openxmlformats.org/presentationml/2006/main">
   <p:cSld>
     <p:spTree>
@@ -6173,11 +6093,7 @@
             </a:r>
             <a:r>
               <a:rPr lang="en-US" dirty="0" smtClean="0"/>
-              <a:t>variables unless they are </a:t>
-            </a:r>
-            <a:r>
-              <a:rPr lang="en-US" smtClean="0"/>
-              <a:t>inside functions</a:t>
+              <a:t>variables unless they are inside functions</a:t>
             </a:r>
             <a:endParaRPr lang="en-US" dirty="0" smtClean="0"/>
           </a:p>
@@ -6246,7 +6162,7 @@
           <a:p>
             <a:r>
               <a:rPr lang="en-US" dirty="0" smtClean="0"/>
-              <a:t>What is it good for?</a:t>
+              <a:t>Tutorial Structure</a:t>
             </a:r>
             <a:endParaRPr lang="en-US" dirty="0"/>
           </a:p>
@@ -6270,56 +6186,99 @@
             <a:pPr marL="0" indent="0">
               <a:buNone/>
             </a:pPr>
-            <a:r>
-              <a:rPr lang="en-US" dirty="0" smtClean="0"/>
-              <a:t>Developed for statisticians, R is very powerful. While we won’t get to these examples today, here are some of the outputs that you can generate:</a:t>
-            </a:r>
-          </a:p>
-          <a:p>
-            <a:r>
-              <a:rPr lang="en-US" dirty="0" smtClean="0"/>
-              <a:t>Dispersion plots</a:t>
-            </a:r>
-          </a:p>
-          <a:p>
             <a:endParaRPr lang="en-US" dirty="0"/>
           </a:p>
-        </p:txBody>
-      </p:sp>
-      <p:pic>
-        <p:nvPicPr>
-          <p:cNvPr id="4" name="Picture 3" descr="Screen Shot 2016-01-29 at 6.19.41 AM.png"/>
-          <p:cNvPicPr>
-            <a:picLocks noChangeAspect="1"/>
-          </p:cNvPicPr>
-          <p:nvPr/>
-        </p:nvPicPr>
-        <p:blipFill>
-          <a:blip r:embed="rId2">
-            <a:extLst>
-              <a:ext uri="{28A0092B-C50C-407E-A947-70E740481C1C}">
-                <a14:useLocalDpi xmlns:a14="http://schemas.microsoft.com/office/drawing/2010/main" val="0"/>
-              </a:ext>
-            </a:extLst>
-          </a:blip>
-          <a:stretch>
-            <a:fillRect/>
-          </a:stretch>
-        </p:blipFill>
-        <p:spPr>
-          <a:xfrm>
-            <a:off x="1206500" y="2371725"/>
-            <a:ext cx="6858000" cy="2844800"/>
-          </a:xfrm>
-          <a:prstGeom prst="rect">
-            <a:avLst/>
-          </a:prstGeom>
-        </p:spPr>
-      </p:pic>
+          <a:p>
+            <a:pPr marL="0" indent="0" algn="ctr">
+              <a:buNone/>
+            </a:pPr>
+            <a:endParaRPr lang="en-US" b="1" dirty="0" smtClean="0"/>
+          </a:p>
+          <a:p>
+            <a:pPr marL="0" indent="0" algn="ctr">
+              <a:buNone/>
+            </a:pPr>
+            <a:r>
+              <a:rPr lang="en-US" sz="2800" b="1" dirty="0" smtClean="0"/>
+              <a:t>Web App </a:t>
+            </a:r>
+            <a:r>
+              <a:rPr lang="en-US" sz="2800" b="1" dirty="0" smtClean="0">
+                <a:sym typeface="Wingdings"/>
+              </a:rPr>
+              <a:t> </a:t>
+            </a:r>
+            <a:r>
+              <a:rPr lang="en-US" sz="2800" b="1" dirty="0" err="1" smtClean="0">
+                <a:sym typeface="Wingdings"/>
+              </a:rPr>
+              <a:t>RNotebook</a:t>
+            </a:r>
+            <a:r>
+              <a:rPr lang="en-US" sz="2800" b="1" dirty="0" smtClean="0">
+                <a:sym typeface="Wingdings"/>
+              </a:rPr>
+              <a:t>  </a:t>
+            </a:r>
+            <a:r>
+              <a:rPr lang="en-US" sz="2800" b="1" dirty="0" err="1" smtClean="0">
+                <a:sym typeface="Wingdings"/>
+              </a:rPr>
+              <a:t>RScript</a:t>
+            </a:r>
+            <a:endParaRPr lang="en-US" sz="2800" b="1" dirty="0" smtClean="0">
+              <a:sym typeface="Wingdings"/>
+            </a:endParaRPr>
+          </a:p>
+          <a:p>
+            <a:pPr marL="0" indent="0">
+              <a:buNone/>
+            </a:pPr>
+            <a:endParaRPr lang="en-US" sz="2800" b="1" dirty="0">
+              <a:sym typeface="Wingdings"/>
+            </a:endParaRPr>
+          </a:p>
+          <a:p>
+            <a:r>
+              <a:rPr lang="en-US" sz="2800" dirty="0" smtClean="0"/>
+              <a:t>the web app provides a lightweight introduction to each method with some adjustable parameters</a:t>
+            </a:r>
+          </a:p>
+          <a:p>
+            <a:r>
+              <a:rPr lang="en-US" sz="2800" dirty="0" smtClean="0"/>
+              <a:t>the </a:t>
+            </a:r>
+            <a:r>
+              <a:rPr lang="en-US" sz="2800" dirty="0" err="1" smtClean="0"/>
+              <a:t>RNotebook</a:t>
+            </a:r>
+            <a:r>
+              <a:rPr lang="en-US" sz="2800" dirty="0" smtClean="0"/>
+              <a:t> is fully annotated code that explains how each line works and why it is included</a:t>
+            </a:r>
+          </a:p>
+          <a:p>
+            <a:r>
+              <a:rPr lang="en-US" sz="2800" dirty="0" smtClean="0"/>
+              <a:t>the </a:t>
+            </a:r>
+            <a:r>
+              <a:rPr lang="en-US" sz="2800" dirty="0" err="1" smtClean="0"/>
+              <a:t>RScript</a:t>
+            </a:r>
+            <a:r>
+              <a:rPr lang="en-US" sz="2800" dirty="0" smtClean="0"/>
+              <a:t> provides a lightly commented scripted for ease of manipulation </a:t>
+            </a:r>
+            <a:endParaRPr lang="en-US" sz="2800" dirty="0"/>
+          </a:p>
+        </p:txBody>
+      </p:sp>
     </p:spTree>
     <p:extLst>
       <p:ext uri="{BB962C8B-B14F-4D97-AF65-F5344CB8AC3E}">
-        <p14:creationId xmlns:p14="http://schemas.microsoft.com/office/powerpoint/2010/main" val="2970774605"/>
+        <p14:creationId xmlns:p14="http://schemas.microsoft.com/office/powerpoint/2010/main" val="648918456"/>
       </p:ext>
     </p:extLst>
   </p:cSld>
@@ -6370,7 +6329,7 @@
           <a:p>
             <a:r>
               <a:rPr lang="en-US" dirty="0" smtClean="0"/>
-              <a:t>More Uses</a:t>
+              <a:t>What is it good for?</a:t>
             </a:r>
             <a:endParaRPr lang="en-US" dirty="0"/>
           </a:p>
@@ -6395,10 +6354,15 @@
               <a:buNone/>
             </a:pPr>
             <a:r>
-              <a:rPr lang="en-US" dirty="0" err="1" smtClean="0"/>
-              <a:t>Dendrograms</a:t>
-            </a:r>
-            <a:endParaRPr lang="en-US" dirty="0" smtClean="0"/>
+              <a:rPr lang="en-US" dirty="0" smtClean="0"/>
+              <a:t>Developed for statisticians, R is very powerful. While we won’t get to these examples today, here are some of the outputs that you can generate:</a:t>
+            </a:r>
+          </a:p>
+          <a:p>
+            <a:r>
+              <a:rPr lang="en-US" dirty="0" smtClean="0"/>
+              <a:t>Dispersion plots</a:t>
+            </a:r>
           </a:p>
           <a:p>
             <a:endParaRPr lang="en-US" dirty="0"/>
@@ -6407,7 +6371,7 @@
       </p:sp>
       <p:pic>
         <p:nvPicPr>
-          <p:cNvPr id="4" name="Picture 3" descr="bronteCluster.png"/>
+          <p:cNvPr id="5" name="Picture 4" descr="Screen Shot 2016-04-29 at 1.07.54 PM.png"/>
           <p:cNvPicPr>
             <a:picLocks noChangeAspect="1"/>
           </p:cNvPicPr>
@@ -6427,8 +6391,8 @@
         </p:blipFill>
         <p:spPr>
           <a:xfrm>
-            <a:off x="3048000" y="629174"/>
-            <a:ext cx="3540102" cy="5216001"/>
+            <a:off x="901700" y="2120901"/>
+            <a:ext cx="7340600" cy="3098800"/>
           </a:xfrm>
           <a:prstGeom prst="rect">
             <a:avLst/>
@@ -6438,7 +6402,7 @@
     </p:spTree>
     <p:extLst>
       <p:ext uri="{BB962C8B-B14F-4D97-AF65-F5344CB8AC3E}">
-        <p14:creationId xmlns:p14="http://schemas.microsoft.com/office/powerpoint/2010/main" val="3908492773"/>
+        <p14:creationId xmlns:p14="http://schemas.microsoft.com/office/powerpoint/2010/main" val="2970774605"/>
       </p:ext>
     </p:extLst>
   </p:cSld>
@@ -6489,49 +6453,84 @@
           <a:p>
             <a:r>
               <a:rPr lang="en-US" dirty="0" smtClean="0"/>
-              <a:t>Shakespeare </a:t>
-            </a:r>
+              <a:t>More Uses</a:t>
+            </a:r>
+            <a:endParaRPr lang="en-US" dirty="0"/>
+          </a:p>
+        </p:txBody>
+      </p:sp>
+      <p:sp>
+        <p:nvSpPr>
+          <p:cNvPr id="3" name="Content Placeholder 2"/>
+          <p:cNvSpPr>
+            <a:spLocks noGrp="1"/>
+          </p:cNvSpPr>
+          <p:nvPr>
+            <p:ph idx="1"/>
+          </p:nvPr>
+        </p:nvSpPr>
+        <p:spPr/>
+        <p:txBody>
+          <a:bodyPr/>
+          <a:lstStyle/>
+          <a:p>
+            <a:pPr marL="0" indent="0">
+              <a:buNone/>
+            </a:pPr>
             <a:r>
               <a:rPr lang="en-US" dirty="0" err="1" smtClean="0"/>
-              <a:t>Dendrogram</a:t>
-            </a:r>
+              <a:t>Dendrograms</a:t>
+            </a:r>
+            <a:endParaRPr lang="en-US" dirty="0" smtClean="0"/>
+          </a:p>
+          <a:p>
             <a:endParaRPr lang="en-US" dirty="0"/>
           </a:p>
         </p:txBody>
       </p:sp>
       <p:pic>
         <p:nvPicPr>
-          <p:cNvPr id="4" name="Shape 135"/>
-          <p:cNvPicPr preferRelativeResize="0">
-            <a:picLocks noGrp="1"/>
+          <p:cNvPr id="4" name="Picture 3" descr="bronteCluster.png"/>
+          <p:cNvPicPr>
+            <a:picLocks noChangeAspect="1"/>
           </p:cNvPicPr>
-          <p:nvPr>
-            <p:ph idx="1"/>
-          </p:nvPr>
+          <p:nvPr/>
         </p:nvPicPr>
         <p:blipFill>
           <a:blip r:embed="rId2">
-            <a:alphaModFix/>
+            <a:extLst>
+              <a:ext uri="{BEBA8EAE-BF5A-486C-A8C5-ECC9F3942E4B}">
+                <a14:imgProps xmlns:a14="http://schemas.microsoft.com/office/drawing/2010/main">
+                  <a14:imgLayer r:embed="rId3">
+                    <a14:imgEffect>
+                      <a14:sharpenSoften amount="48000"/>
+                    </a14:imgEffect>
+                  </a14:imgLayer>
+                </a14:imgProps>
+              </a:ext>
+              <a:ext uri="{28A0092B-C50C-407E-A947-70E740481C1C}">
+                <a14:useLocalDpi xmlns:a14="http://schemas.microsoft.com/office/drawing/2010/main" val="0"/>
+              </a:ext>
+            </a:extLst>
           </a:blip>
-          <a:srcRect l="-77915" r="-77915"/>
           <a:stretch>
             <a:fillRect/>
           </a:stretch>
         </p:blipFill>
         <p:spPr>
+          <a:xfrm>
+            <a:off x="2844802" y="883176"/>
+            <a:ext cx="3451753" cy="5085825"/>
+          </a:xfrm>
           <a:prstGeom prst="rect">
             <a:avLst/>
           </a:prstGeom>
-          <a:noFill/>
-          <a:ln>
-            <a:noFill/>
-          </a:ln>
         </p:spPr>
       </p:pic>
     </p:spTree>
     <p:extLst>
       <p:ext uri="{BB962C8B-B14F-4D97-AF65-F5344CB8AC3E}">
-        <p14:creationId xmlns:p14="http://schemas.microsoft.com/office/powerpoint/2010/main" val="246949209"/>
+        <p14:creationId xmlns:p14="http://schemas.microsoft.com/office/powerpoint/2010/main" val="3908492773"/>
       </p:ext>
     </p:extLst>
   </p:cSld>
@@ -6582,90 +6581,49 @@
           <a:p>
             <a:r>
               <a:rPr lang="en-US" dirty="0" smtClean="0"/>
-              <a:t>r, Me </a:t>
+              <a:t>Shakespeare </a:t>
             </a:r>
             <a:r>
               <a:rPr lang="en-US" dirty="0" err="1" smtClean="0"/>
-              <a:t>Matey</a:t>
-            </a:r>
-            <a:r>
-              <a:rPr lang="en-US" dirty="0" smtClean="0"/>
-              <a:t>!</a:t>
+              <a:t>Dendrogram</a:t>
             </a:r>
             <a:endParaRPr lang="en-US" dirty="0"/>
           </a:p>
         </p:txBody>
       </p:sp>
-      <p:sp>
-        <p:nvSpPr>
-          <p:cNvPr id="3" name="Content Placeholder 2"/>
-          <p:cNvSpPr>
-            <a:spLocks noGrp="1"/>
-          </p:cNvSpPr>
+      <p:pic>
+        <p:nvPicPr>
+          <p:cNvPr id="4" name="Shape 135"/>
+          <p:cNvPicPr preferRelativeResize="0">
+            <a:picLocks noGrp="1"/>
+          </p:cNvPicPr>
           <p:nvPr>
             <p:ph idx="1"/>
           </p:nvPr>
-        </p:nvSpPr>
-        <p:spPr/>
-        <p:txBody>
-          <a:bodyPr/>
-          <a:lstStyle/>
-          <a:p>
-            <a:pPr marL="0" indent="0">
-              <a:buNone/>
-            </a:pPr>
-            <a:endParaRPr lang="en-US" dirty="0" smtClean="0"/>
-          </a:p>
-          <a:p>
-            <a:pPr marL="0" indent="0">
-              <a:buNone/>
-            </a:pPr>
-            <a:endParaRPr lang="en-US" dirty="0"/>
-          </a:p>
-          <a:p>
-            <a:pPr marL="0" indent="0">
-              <a:buNone/>
-            </a:pPr>
-            <a:r>
-              <a:rPr lang="en-US" dirty="0" smtClean="0"/>
-              <a:t>Let’s </a:t>
-            </a:r>
-            <a:r>
-              <a:rPr lang="en-US" dirty="0"/>
-              <a:t>get started! </a:t>
-            </a:r>
-          </a:p>
-          <a:p>
-            <a:pPr marL="0" indent="0">
-              <a:buNone/>
-            </a:pPr>
-            <a:r>
-              <a:rPr lang="en-US" dirty="0">
-                <a:hlinkClick r:id="rId2"/>
-              </a:rPr>
-              <a:t>http://tryr.codeschool.com/levels/1/challenges/</a:t>
-            </a:r>
-            <a:r>
-              <a:rPr lang="en-US" dirty="0" smtClean="0">
-                <a:hlinkClick r:id="rId2"/>
-              </a:rPr>
-              <a:t>1</a:t>
-            </a:r>
-            <a:r>
-              <a:rPr lang="en-US" dirty="0" smtClean="0"/>
-              <a:t> </a:t>
-            </a:r>
-            <a:endParaRPr lang="en-US" dirty="0"/>
-          </a:p>
-          <a:p>
-            <a:endParaRPr lang="en-US" dirty="0"/>
-          </a:p>
-        </p:txBody>
-      </p:sp>
+        </p:nvPicPr>
+        <p:blipFill>
+          <a:blip r:embed="rId2">
+            <a:alphaModFix/>
+          </a:blip>
+          <a:srcRect l="-77915" r="-77915"/>
+          <a:stretch>
+            <a:fillRect/>
+          </a:stretch>
+        </p:blipFill>
+        <p:spPr>
+          <a:prstGeom prst="rect">
+            <a:avLst/>
+          </a:prstGeom>
+          <a:noFill/>
+          <a:ln>
+            <a:noFill/>
+          </a:ln>
+        </p:spPr>
+      </p:pic>
     </p:spTree>
     <p:extLst>
       <p:ext uri="{BB962C8B-B14F-4D97-AF65-F5344CB8AC3E}">
-        <p14:creationId xmlns:p14="http://schemas.microsoft.com/office/powerpoint/2010/main" val="4078046061"/>
+        <p14:creationId xmlns:p14="http://schemas.microsoft.com/office/powerpoint/2010/main" val="246949209"/>
       </p:ext>
     </p:extLst>
   </p:cSld>
@@ -6819,7 +6777,7 @@
         </p:blipFill>
         <p:spPr>
           <a:xfrm>
-            <a:off x="2597372" y="2490507"/>
+            <a:off x="2597372" y="2490509"/>
             <a:ext cx="3898678" cy="2761780"/>
           </a:xfrm>
           <a:prstGeom prst="rect">
@@ -6944,7 +6902,7 @@
         </p:blipFill>
         <p:spPr>
           <a:xfrm>
-            <a:off x="2143126" y="1441093"/>
+            <a:off x="2143128" y="1441093"/>
             <a:ext cx="4968875" cy="4385032"/>
           </a:xfrm>
           <a:prstGeom prst="rect">
@@ -7006,7 +6964,23 @@
           <a:p>
             <a:r>
               <a:rPr lang="en-US" dirty="0" smtClean="0"/>
-              <a:t>Twitter: “Brussels” on 3/23/16</a:t>
+              <a:t>Twitter: </a:t>
+            </a:r>
+            <a:r>
+              <a:rPr lang="en-US" dirty="0" smtClean="0"/>
+              <a:t>“prince” </a:t>
+            </a:r>
+            <a:r>
+              <a:rPr lang="en-US" dirty="0" smtClean="0"/>
+              <a:t>on </a:t>
+            </a:r>
+            <a:r>
+              <a:rPr lang="en-US" dirty="0" smtClean="0"/>
+              <a:t>4/29/</a:t>
+            </a:r>
+            <a:r>
+              <a:rPr lang="en-US" dirty="0" smtClean="0"/>
+              <a:t>16</a:t>
             </a:r>
             <a:endParaRPr lang="en-US" dirty="0"/>
           </a:p>
@@ -7014,7 +6988,7 @@
       </p:sp>
       <p:pic>
         <p:nvPicPr>
-          <p:cNvPr id="4" name="Content Placeholder 3"/>
+          <p:cNvPr id="7" name="Content Placeholder 6" descr="Screen Shot 2016-04-29 at 12.45.10 PM.png"/>
           <p:cNvPicPr>
             <a:picLocks noGrp="1" noChangeAspect="1"/>
           </p:cNvPicPr>
@@ -7023,8 +6997,14 @@
           </p:nvPr>
         </p:nvPicPr>
         <p:blipFill>
-          <a:blip r:embed="rId2"/>
-          <a:srcRect l="-20185" r="-20185"/>
+          <a:blip r:embed="rId2">
+            <a:extLst>
+              <a:ext uri="{28A0092B-C50C-407E-A947-70E740481C1C}">
+                <a14:useLocalDpi xmlns:a14="http://schemas.microsoft.com/office/drawing/2010/main" val="0"/>
+              </a:ext>
+            </a:extLst>
+          </a:blip>
+          <a:srcRect l="-31401" r="-31401"/>
           <a:stretch>
             <a:fillRect/>
           </a:stretch>

--- a/powerpoints/RBasicsSSRC.pptx
+++ b/powerpoints/RBasicsSSRC.pptx
@@ -6601,16 +6601,29 @@
             <p:ph idx="1"/>
           </p:nvPr>
         </p:nvPicPr>
-        <p:blipFill>
+        <p:blipFill rotWithShape="1">
           <a:blip r:embed="rId2">
             <a:alphaModFix/>
+            <a:extLst>
+              <a:ext uri="{BEBA8EAE-BF5A-486C-A8C5-ECC9F3942E4B}">
+                <a14:imgProps xmlns:a14="http://schemas.microsoft.com/office/drawing/2010/main">
+                  <a14:imgLayer r:embed="rId3">
+                    <a14:imgEffect>
+                      <a14:sharpenSoften amount="46000"/>
+                    </a14:imgEffect>
+                  </a14:imgLayer>
+                </a14:imgProps>
+              </a:ext>
+            </a:extLst>
           </a:blip>
-          <a:srcRect l="-77915" r="-77915"/>
-          <a:stretch>
-            <a:fillRect/>
-          </a:stretch>
+          <a:srcRect r="-7873" b="5527"/>
+          <a:stretch/>
         </p:blipFill>
         <p:spPr>
+          <a:xfrm>
+            <a:off x="2743200" y="685800"/>
+            <a:ext cx="3759200" cy="5219699"/>
+          </a:xfrm>
           <a:prstGeom prst="rect">
             <a:avLst/>
           </a:prstGeom>
